--- a/demo.pptx
+++ b/demo.pptx
@@ -1165,17 +1165,91 @@
         </p:blipFill>
         <p:spPr>
           <a:xfrm>
-            <a:off x="0" y="0"/>
-            <a:ext cx="914400" cy="914400"/>
+            <a:off x="7715250" y="180975"/>
+            <a:ext cx="1152525" cy="209550"/>
           </a:xfrm>
           <a:prstGeom prst="rect">
             <a:avLst/>
           </a:prstGeom>
         </p:spPr>
       </p:pic>
+      <p:sp>
+        <p:nvSpPr>
+          <p:cNvPr id="3" name="Object2"/>
+          <p:cNvSpPr/>
+          <p:nvPr/>
+        </p:nvSpPr>
+        <p:spPr>
+          <a:xfrm>
+            <a:off x="990600" y="561975"/>
+            <a:ext cx="1295400" cy="581025"/>
+          </a:xfrm>
+          <a:prstGeom prst="rect">
+            <a:avLst/>
+          </a:prstGeom>
+          <a:noFill/>
+          <a:ln/>
+        </p:spPr>
+        <p:txBody>
+          <a:bodyPr wrap="square" lIns="38100" tIns="38100" rIns="38100" bIns="38100" rtlCol="0" anchor="ctr"/>
+          <a:lstStyle/>
+          <a:p>
+            <a:pPr/>
+            <a:r>
+              <a:rPr lang="en-US" sz="2300" dirty="0">
+                <a:solidFill>
+                  <a:srgbClr val="000000"/>
+                </a:solidFill>
+                <a:latin typeface="Microsoft Yahei" pitchFamily="34" charset="0"/>
+                <a:ea typeface="Microsoft Yahei" pitchFamily="34" charset="-122"/>
+                <a:cs typeface="Microsoft Yahei" pitchFamily="34" charset="-120"/>
+              </a:rPr>
+              <a:t>我是文本</a:t>
+            </a:r>
+            <a:endParaRPr lang="en-US" sz="2250" dirty="0"/>
+          </a:p>
+        </p:txBody>
+      </p:sp>
+      <p:sp>
+        <p:nvSpPr>
+          <p:cNvPr id="4" name="Object3"/>
+          <p:cNvSpPr/>
+          <p:nvPr/>
+        </p:nvSpPr>
+        <p:spPr>
+          <a:xfrm>
+            <a:off x="6038850" y="1019175"/>
+            <a:ext cx="2152650" cy="581025"/>
+          </a:xfrm>
+          <a:prstGeom prst="rect">
+            <a:avLst/>
+          </a:prstGeom>
+          <a:noFill/>
+          <a:ln/>
+        </p:spPr>
+        <p:txBody>
+          <a:bodyPr wrap="square" lIns="38100" tIns="38100" rIns="38100" bIns="38100" rtlCol="0" anchor="ctr"/>
+          <a:lstStyle/>
+          <a:p>
+            <a:pPr/>
+            <a:r>
+              <a:rPr lang="en-US" sz="2300" dirty="0">
+                <a:solidFill>
+                  <a:srgbClr val="E64919"/>
+                </a:solidFill>
+                <a:latin typeface="Microsoft Yahei" pitchFamily="34" charset="0"/>
+                <a:ea typeface="Microsoft Yahei" pitchFamily="34" charset="-122"/>
+                <a:cs typeface="Microsoft Yahei" pitchFamily="34" charset="-120"/>
+              </a:rPr>
+              <a:t>带有颜色的文本</a:t>
+            </a:r>
+            <a:endParaRPr lang="en-US" sz="2250" dirty="0"/>
+          </a:p>
+        </p:txBody>
+      </p:sp>
       <p:pic>
         <p:nvPicPr>
-          <p:cNvPr id="3" name="Object 2" descr="https://hw.xesimg.com/XESlides/100791/slide_test/a2ae1e3d57994728bcb98405cdbcbeb0.jpg">    </p:cNvPr>
+          <p:cNvPr id="5" name="Object 4" descr="https://hw.xesimg.com/XESlides/100791/slide_test/a2ae1e3d57994728bcb98405cdbcbeb0.jpg">    </p:cNvPr>
           <p:cNvPicPr>
             <a:picLocks noChangeAspect="1"/>
           </p:cNvPicPr>
@@ -1189,14 +1263,88 @@
         </p:blipFill>
         <p:spPr>
           <a:xfrm>
-            <a:off x="0" y="0"/>
-            <a:ext cx="914400" cy="914400"/>
+            <a:off x="6539195" y="3011776"/>
+            <a:ext cx="1754332" cy="3119870"/>
           </a:xfrm>
           <a:prstGeom prst="rect">
             <a:avLst/>
           </a:prstGeom>
         </p:spPr>
       </p:pic>
+      <p:sp>
+        <p:nvSpPr>
+          <p:cNvPr id="6" name="Object5"/>
+          <p:cNvSpPr/>
+          <p:nvPr/>
+        </p:nvSpPr>
+        <p:spPr>
+          <a:xfrm>
+            <a:off x="1628775" y="5467350"/>
+            <a:ext cx="1295400" cy="590550"/>
+          </a:xfrm>
+          <a:prstGeom prst="rect">
+            <a:avLst/>
+          </a:prstGeom>
+          <a:noFill/>
+          <a:ln/>
+        </p:spPr>
+        <p:txBody>
+          <a:bodyPr wrap="square" lIns="38100" tIns="38100" rIns="38100" bIns="38100" rtlCol="0" anchor="ctr"/>
+          <a:lstStyle/>
+          <a:p>
+            <a:pPr/>
+            <a:r>
+              <a:rPr lang="en-US" sz="2300" dirty="0">
+                <a:solidFill>
+                  <a:srgbClr val="000000"/>
+                </a:solidFill>
+                <a:latin typeface="楷体" pitchFamily="34" charset="0"/>
+                <a:ea typeface="楷体" pitchFamily="34" charset="-122"/>
+                <a:cs typeface="楷体" pitchFamily="34" charset="-120"/>
+              </a:rPr>
+              <a:t>楷体</a:t>
+            </a:r>
+            <a:endParaRPr lang="en-US" sz="2250" dirty="0"/>
+          </a:p>
+        </p:txBody>
+      </p:sp>
+      <p:sp>
+        <p:nvSpPr>
+          <p:cNvPr id="7" name="Object6"/>
+          <p:cNvSpPr/>
+          <p:nvPr/>
+        </p:nvSpPr>
+        <p:spPr>
+          <a:xfrm>
+            <a:off x="4486275" y="5229225"/>
+            <a:ext cx="1866900" cy="581025"/>
+          </a:xfrm>
+          <a:prstGeom prst="rect">
+            <a:avLst/>
+          </a:prstGeom>
+          <a:noFill/>
+          <a:ln/>
+        </p:spPr>
+        <p:txBody>
+          <a:bodyPr wrap="square" lIns="38100" tIns="38100" rIns="38100" bIns="38100" rtlCol="0" anchor="ctr"/>
+          <a:lstStyle/>
+          <a:p>
+            <a:pPr/>
+            <a:r>
+              <a:rPr lang="en-US" sz="2300" dirty="0">
+                <a:solidFill>
+                  <a:srgbClr val="000000"/>
+                </a:solidFill>
+                <a:latin typeface="Microsoft Yahei" pitchFamily="34" charset="0"/>
+                <a:ea typeface="Microsoft Yahei" pitchFamily="34" charset="-122"/>
+                <a:cs typeface="Microsoft Yahei" pitchFamily="34" charset="-120"/>
+              </a:rPr>
+              <a:t>我是微软雅黑</a:t>
+            </a:r>
+            <a:endParaRPr lang="en-US" sz="2250" dirty="0"/>
+          </a:p>
+        </p:txBody>
+      </p:sp>
     </p:spTree>
   </p:cSld>
   <p:clrMapOvr>
@@ -1252,8 +1400,8 @@
         </p:blipFill>
         <p:spPr>
           <a:xfrm>
-            <a:off x="0" y="0"/>
-            <a:ext cx="914400" cy="914400"/>
+            <a:off x="7715250" y="180975"/>
+            <a:ext cx="1152525" cy="209550"/>
           </a:xfrm>
           <a:prstGeom prst="rect">
             <a:avLst/>
@@ -1276,8 +1424,8 @@
         </p:blipFill>
         <p:spPr>
           <a:xfrm>
-            <a:off x="0" y="0"/>
-            <a:ext cx="914400" cy="914400"/>
+            <a:off x="3810000" y="2043113"/>
+            <a:ext cx="2078182" cy="2770909"/>
           </a:xfrm>
           <a:prstGeom prst="rect">
             <a:avLst/>
@@ -1332,17 +1480,54 @@
         </p:blipFill>
         <p:spPr>
           <a:xfrm>
-            <a:off x="0" y="0"/>
-            <a:ext cx="914400" cy="914400"/>
+            <a:off x="7715250" y="180975"/>
+            <a:ext cx="1152525" cy="209550"/>
           </a:xfrm>
           <a:prstGeom prst="rect">
             <a:avLst/>
           </a:prstGeom>
         </p:spPr>
       </p:pic>
+      <p:sp>
+        <p:nvSpPr>
+          <p:cNvPr id="3" name="Object2"/>
+          <p:cNvSpPr/>
+          <p:nvPr/>
+        </p:nvSpPr>
+        <p:spPr>
+          <a:xfrm>
+            <a:off x="2219325" y="2019300"/>
+            <a:ext cx="1685925" cy="581025"/>
+          </a:xfrm>
+          <a:prstGeom prst="rect">
+            <a:avLst/>
+          </a:prstGeom>
+          <a:noFill/>
+          <a:ln/>
+        </p:spPr>
+        <p:txBody>
+          <a:bodyPr wrap="square" lIns="38100" tIns="38100" rIns="38100" bIns="38100" rtlCol="0" anchor="ctr"/>
+          <a:lstStyle/>
+          <a:p>
+            <a:pPr/>
+            <a:r>
+              <a:rPr lang="en-US" sz="2300" dirty="0">
+                <a:solidFill>
+                  <a:srgbClr val="000000"/>
+                </a:solidFill>
+                <a:latin typeface="Microsoft Yahei" pitchFamily="34" charset="0"/>
+                <a:ea typeface="Microsoft Yahei" pitchFamily="34" charset="-122"/>
+                <a:cs typeface="Microsoft Yahei" pitchFamily="34" charset="-120"/>
+              </a:rPr>
+              <a:t>hello world</a:t>
+            </a:r>
+            <a:endParaRPr lang="en-US" sz="2250" dirty="0"/>
+          </a:p>
+        </p:txBody>
+      </p:sp>
       <p:pic>
         <p:nvPicPr>
-          <p:cNvPr id="3" name="Object 2" descr="https://ek.xesimg.com/XESlides/100791/slide_test/33cc80a64fe64bc989e2afc4a39966f8.jpg">    </p:cNvPr>
+          <p:cNvPr id="4" name="Object 3" descr="https://ek.xesimg.com/XESlides/100791/slide_test/33cc80a64fe64bc989e2afc4a39966f8.jpg">    </p:cNvPr>
           <p:cNvPicPr>
             <a:picLocks noChangeAspect="1"/>
           </p:cNvPicPr>
@@ -1356,14 +1541,125 @@
         </p:blipFill>
         <p:spPr>
           <a:xfrm>
-            <a:off x="0" y="0"/>
-            <a:ext cx="914400" cy="914400"/>
+            <a:off x="5640924" y="1138904"/>
+            <a:ext cx="2167742" cy="3424670"/>
           </a:xfrm>
           <a:prstGeom prst="rect">
             <a:avLst/>
           </a:prstGeom>
         </p:spPr>
       </p:pic>
+      <p:sp>
+        <p:nvSpPr>
+          <p:cNvPr id="5" name="Object4"/>
+          <p:cNvSpPr/>
+          <p:nvPr/>
+        </p:nvSpPr>
+        <p:spPr>
+          <a:xfrm>
+            <a:off x="1962150" y="4619625"/>
+            <a:ext cx="2438400" cy="1295400"/>
+          </a:xfrm>
+          <a:prstGeom prst="rect">
+            <a:avLst/>
+          </a:prstGeom>
+          <a:noFill/>
+          <a:ln/>
+        </p:spPr>
+        <p:txBody>
+          <a:bodyPr wrap="square" lIns="38100" tIns="38100" rIns="38100" bIns="38100" rtlCol="0" anchor="ctr"/>
+          <a:lstStyle/>
+          <a:p>
+            <a:pPr/>
+            <a:r>
+              <a:rPr lang="en-US" sz="6000" dirty="0">
+                <a:solidFill>
+                  <a:srgbClr val="000000"/>
+                </a:solidFill>
+                <a:latin typeface="Microsoft Yahei" pitchFamily="34" charset="0"/>
+                <a:ea typeface="Microsoft Yahei" pitchFamily="34" charset="-122"/>
+                <a:cs typeface="Microsoft Yahei" pitchFamily="34" charset="-120"/>
+              </a:rPr>
+              <a:t>奥运会</a:t>
+            </a:r>
+            <a:endParaRPr lang="en-US" sz="6000" dirty="0"/>
+          </a:p>
+        </p:txBody>
+      </p:sp>
+      <p:sp>
+        <p:nvSpPr>
+          <p:cNvPr id="6" name="Object5"/>
+          <p:cNvSpPr/>
+          <p:nvPr/>
+        </p:nvSpPr>
+        <p:spPr>
+          <a:xfrm>
+            <a:off x="1628775" y="742950"/>
+            <a:ext cx="1419225" cy="581025"/>
+          </a:xfrm>
+          <a:prstGeom prst="rect">
+            <a:avLst/>
+          </a:prstGeom>
+          <a:noFill/>
+          <a:ln/>
+        </p:spPr>
+        <p:txBody>
+          <a:bodyPr wrap="square" lIns="38100" tIns="38100" rIns="38100" bIns="38100" rtlCol="0" anchor="ctr"/>
+          <a:lstStyle/>
+          <a:p>
+            <a:pPr/>
+            <a:r>
+              <a:rPr lang="en-US" sz="2300" dirty="0">
+                <a:solidFill>
+                  <a:srgbClr val="000000"/>
+                </a:solidFill>
+                <a:latin typeface="Microsoft Yahei" pitchFamily="34" charset="0"/>
+                <a:ea typeface="Microsoft Yahei" pitchFamily="34" charset="-122"/>
+                <a:cs typeface="Microsoft Yahei" pitchFamily="34" charset="-120"/>
+              </a:rPr>
+              <a:t>1.5倍行距</a:t>
+            </a:r>
+            <a:endParaRPr lang="en-US" sz="2250" dirty="0"/>
+          </a:p>
+        </p:txBody>
+      </p:sp>
+      <p:sp>
+        <p:nvSpPr>
+          <p:cNvPr id="7" name="Object6"/>
+          <p:cNvSpPr/>
+          <p:nvPr/>
+        </p:nvSpPr>
+        <p:spPr>
+          <a:xfrm>
+            <a:off x="1809750" y="3505200"/>
+            <a:ext cx="1295400" cy="723900"/>
+          </a:xfrm>
+          <a:prstGeom prst="rect">
+            <a:avLst/>
+          </a:prstGeom>
+          <a:noFill/>
+          <a:ln/>
+        </p:spPr>
+        <p:txBody>
+          <a:bodyPr wrap="square" lIns="38100" tIns="38100" rIns="38100" bIns="38100" rtlCol="0" anchor="ctr"/>
+          <a:lstStyle/>
+          <a:p>
+            <a:pPr/>
+            <a:r>
+              <a:rPr lang="en-US" sz="2300" dirty="0">
+                <a:solidFill>
+                  <a:srgbClr val="000000"/>
+                </a:solidFill>
+                <a:latin typeface="Microsoft Yahei" pitchFamily="34" charset="0"/>
+                <a:ea typeface="Microsoft Yahei" pitchFamily="34" charset="-122"/>
+                <a:cs typeface="Microsoft Yahei" pitchFamily="34" charset="-120"/>
+              </a:rPr>
+              <a:t>2倍行距</a:t>
+            </a:r>
+            <a:endParaRPr lang="en-US" sz="2250" dirty="0"/>
+          </a:p>
+        </p:txBody>
+      </p:sp>
     </p:spTree>
   </p:cSld>
   <p:clrMapOvr>
@@ -1412,14 +1708,51 @@
         </p:blipFill>
         <p:spPr>
           <a:xfrm>
-            <a:off x="0" y="0"/>
-            <a:ext cx="914400" cy="914400"/>
+            <a:off x="7715250" y="180975"/>
+            <a:ext cx="1152525" cy="209550"/>
           </a:xfrm>
           <a:prstGeom prst="rect">
             <a:avLst/>
           </a:prstGeom>
         </p:spPr>
       </p:pic>
+      <p:sp>
+        <p:nvSpPr>
+          <p:cNvPr id="3" name="Object2"/>
+          <p:cNvSpPr/>
+          <p:nvPr/>
+        </p:nvSpPr>
+        <p:spPr>
+          <a:xfrm>
+            <a:off x="1752600" y="2133600"/>
+            <a:ext cx="1295400" cy="581025"/>
+          </a:xfrm>
+          <a:prstGeom prst="rect">
+            <a:avLst/>
+          </a:prstGeom>
+          <a:noFill/>
+          <a:ln/>
+        </p:spPr>
+        <p:txBody>
+          <a:bodyPr wrap="square" lIns="38100" tIns="38100" rIns="38100" bIns="38100" rtlCol="0" anchor="ctr"/>
+          <a:lstStyle/>
+          <a:p>
+            <a:pPr/>
+            <a:r>
+              <a:rPr lang="en-US" sz="2300" dirty="0">
+                <a:solidFill>
+                  <a:srgbClr val="FFF176"/>
+                </a:solidFill>
+                <a:latin typeface="Microsoft Yahei" pitchFamily="34" charset="0"/>
+                <a:ea typeface="Microsoft Yahei" pitchFamily="34" charset="-122"/>
+                <a:cs typeface="Microsoft Yahei" pitchFamily="34" charset="-120"/>
+              </a:rPr>
+              <a:t>好未来</a:t>
+            </a:r>
+            <a:endParaRPr lang="en-US" sz="2250" dirty="0"/>
+          </a:p>
+        </p:txBody>
+      </p:sp>
     </p:spTree>
   </p:cSld>
   <p:clrMapOvr>
